--- a/slides-aulas/analise-lexica.pptx
+++ b/slides-aulas/analise-lexica.pptx
@@ -9,7 +9,7 @@
     <p:notesMasterId r:id="rId20"/>
   </p:notesMasterIdLst>
   <p:sldIdLst>
-    <p:sldId id="256" r:id="rId3"/>
+    <p:sldId id="277" r:id="rId3"/>
     <p:sldId id="257" r:id="rId4"/>
     <p:sldId id="258" r:id="rId5"/>
     <p:sldId id="259" r:id="rId6"/>
@@ -4792,7 +4792,7 @@
       </p:grpSpPr>
       <p:sp>
         <p:nvSpPr>
-          <p:cNvPr id="83" name="TextShape 1"/>
+          <p:cNvPr id="87" name="TextShape 1"/>
           <p:cNvSpPr txBox="1"/>
           <p:nvPr/>
         </p:nvSpPr>
@@ -4810,7 +4810,9 @@
           </a:ln>
         </p:spPr>
         <p:txBody>
-          <a:bodyPr/>
+          <a:bodyPr>
+            <a:normAutofit fontScale="92500" lnSpcReduction="10000"/>
+          </a:bodyPr>
           <a:lstStyle/>
           <a:p>
             <a:pPr>
@@ -4819,184 +4821,91 @@
               </a:lnSpc>
             </a:pPr>
             <a:r>
-              <a:rPr lang="en-US" sz="4000" b="1" strike="noStrike" cap="all" spc="-1">
-                <a:solidFill>
-                  <a:srgbClr val="000000"/>
-                </a:solidFill>
-                <a:uFill>
-                  <a:solidFill>
-                    <a:srgbClr val="FFFFFF"/>
-                  </a:solidFill>
-                </a:uFill>
-                <a:latin typeface="Calibri"/>
-              </a:rPr>
-              <a:t>Análise Léxica</a:t>
-            </a:r>
-            <a:endParaRPr lang="en-US" sz="1800" b="0" strike="noStrike" spc="-1">
-              <a:solidFill>
-                <a:srgbClr val="000000"/>
-              </a:solidFill>
-              <a:uFill>
-                <a:solidFill>
-                  <a:srgbClr val="FFFFFF"/>
-                </a:solidFill>
-              </a:uFill>
+              <a:rPr lang="en-US" sz="4000" b="1" strike="noStrike" cap="all" spc="-1" dirty="0" err="1">
+                <a:solidFill>
+                  <a:srgbClr val="000000"/>
+                </a:solidFill>
+                <a:latin typeface="Calibri"/>
+              </a:rPr>
+              <a:t>Compiladores</a:t>
+            </a:r>
+            <a:r>
+              <a:rPr lang="en-US" sz="4000" b="1" strike="noStrike" cap="all" spc="-1" dirty="0">
+                <a:solidFill>
+                  <a:srgbClr val="000000"/>
+                </a:solidFill>
+                <a:latin typeface="Calibri"/>
+              </a:rPr>
+              <a:t> </a:t>
+            </a:r>
+            <a:r>
+              <a:rPr lang="en-US" sz="4000" b="1" strike="noStrike" cap="all" spc="-1" dirty="0" smtClean="0">
+                <a:solidFill>
+                  <a:srgbClr val="000000"/>
+                </a:solidFill>
+                <a:latin typeface="Calibri"/>
+              </a:rPr>
+              <a:t>– </a:t>
+            </a:r>
+            <a:r>
+              <a:rPr lang="en-US" sz="4000" b="1" strike="noStrike" cap="all" spc="-1" dirty="0" smtClean="0">
+                <a:solidFill>
+                  <a:srgbClr val="000000"/>
+                </a:solidFill>
+                <a:latin typeface="Calibri"/>
+              </a:rPr>
+              <a:t>An</a:t>
+            </a:r>
+            <a:r>
+              <a:rPr lang="pt-BR" sz="4000" b="1" strike="noStrike" cap="all" spc="-1" dirty="0" err="1" smtClean="0">
+                <a:solidFill>
+                  <a:srgbClr val="000000"/>
+                </a:solidFill>
+                <a:latin typeface="Calibri"/>
+              </a:rPr>
+              <a:t>áLise</a:t>
+            </a:r>
+            <a:r>
+              <a:rPr lang="pt-BR" sz="4000" b="1" strike="noStrike" cap="all" spc="-1" dirty="0" smtClean="0">
+                <a:solidFill>
+                  <a:srgbClr val="000000"/>
+                </a:solidFill>
+                <a:latin typeface="Calibri"/>
+              </a:rPr>
+              <a:t> léxica</a:t>
+            </a:r>
+            <a:endParaRPr lang="en-US" sz="4000" b="1" strike="noStrike" cap="all" spc="-1" dirty="0" smtClean="0">
+              <a:solidFill>
+                <a:srgbClr val="000000"/>
+              </a:solidFill>
               <a:latin typeface="Calibri"/>
             </a:endParaRPr>
           </a:p>
+          <a:p>
+            <a:pPr>
+              <a:lnSpc>
+                <a:spcPct val="100000"/>
+              </a:lnSpc>
+            </a:pPr>
+            <a:r>
+              <a:rPr dirty="0"/>
+              <a:t/>
+            </a:r>
+            <a:br>
+              <a:rPr dirty="0"/>
+            </a:br>
+            <a:endParaRPr lang="en-US" sz="4000" b="0" strike="noStrike" spc="-1" dirty="0">
+              <a:solidFill>
+                <a:srgbClr val="000000"/>
+              </a:solidFill>
+              <a:latin typeface="Calibri"/>
+            </a:endParaRPr>
+          </a:p>
         </p:txBody>
       </p:sp>
       <p:sp>
         <p:nvSpPr>
-          <p:cNvPr id="84" name="TextShape 2"/>
-          <p:cNvSpPr txBox="1"/>
-          <p:nvPr/>
-        </p:nvSpPr>
-        <p:spPr>
-          <a:xfrm>
-            <a:off x="722160" y="2906640"/>
-            <a:ext cx="3792600" cy="715320"/>
-          </a:xfrm>
-          <a:prstGeom prst="rect">
-            <a:avLst/>
-          </a:prstGeom>
-          <a:noFill/>
-          <a:ln>
-            <a:noFill/>
-          </a:ln>
-        </p:spPr>
-        <p:txBody>
-          <a:bodyPr lIns="0" tIns="0" rIns="0" bIns="0"/>
-          <a:lstStyle/>
-          <a:p>
-            <a:endParaRPr lang="en-US" sz="3200" b="0" strike="noStrike" spc="-1">
-              <a:solidFill>
-                <a:srgbClr val="000000"/>
-              </a:solidFill>
-              <a:uFill>
-                <a:solidFill>
-                  <a:srgbClr val="FFFFFF"/>
-                </a:solidFill>
-              </a:uFill>
-              <a:latin typeface="Calibri"/>
-            </a:endParaRPr>
-          </a:p>
-        </p:txBody>
-      </p:sp>
-      <p:sp>
-        <p:nvSpPr>
-          <p:cNvPr id="85" name="TextShape 3"/>
-          <p:cNvSpPr txBox="1"/>
-          <p:nvPr/>
-        </p:nvSpPr>
-        <p:spPr>
-          <a:xfrm>
-            <a:off x="4704840" y="2906640"/>
-            <a:ext cx="3792600" cy="715320"/>
-          </a:xfrm>
-          <a:prstGeom prst="rect">
-            <a:avLst/>
-          </a:prstGeom>
-          <a:noFill/>
-          <a:ln>
-            <a:noFill/>
-          </a:ln>
-        </p:spPr>
-        <p:txBody>
-          <a:bodyPr lIns="0" tIns="0" rIns="0" bIns="0"/>
-          <a:lstStyle/>
-          <a:p>
-            <a:endParaRPr lang="en-US" sz="3200" b="0" strike="noStrike" spc="-1">
-              <a:solidFill>
-                <a:srgbClr val="000000"/>
-              </a:solidFill>
-              <a:uFill>
-                <a:solidFill>
-                  <a:srgbClr val="FFFFFF"/>
-                </a:solidFill>
-              </a:uFill>
-              <a:latin typeface="Calibri"/>
-            </a:endParaRPr>
-          </a:p>
-        </p:txBody>
-      </p:sp>
-      <p:sp>
-        <p:nvSpPr>
-          <p:cNvPr id="86" name="TextShape 4"/>
-          <p:cNvSpPr txBox="1"/>
-          <p:nvPr/>
-        </p:nvSpPr>
-        <p:spPr>
-          <a:xfrm>
-            <a:off x="4704840" y="3690360"/>
-            <a:ext cx="3792600" cy="715320"/>
-          </a:xfrm>
-          <a:prstGeom prst="rect">
-            <a:avLst/>
-          </a:prstGeom>
-          <a:noFill/>
-          <a:ln>
-            <a:noFill/>
-          </a:ln>
-        </p:spPr>
-        <p:txBody>
-          <a:bodyPr lIns="0" tIns="0" rIns="0" bIns="0"/>
-          <a:lstStyle/>
-          <a:p>
-            <a:endParaRPr lang="en-US" sz="3200" b="0" strike="noStrike" spc="-1">
-              <a:solidFill>
-                <a:srgbClr val="000000"/>
-              </a:solidFill>
-              <a:uFill>
-                <a:solidFill>
-                  <a:srgbClr val="FFFFFF"/>
-                </a:solidFill>
-              </a:uFill>
-              <a:latin typeface="Calibri"/>
-            </a:endParaRPr>
-          </a:p>
-        </p:txBody>
-      </p:sp>
-      <p:sp>
-        <p:nvSpPr>
-          <p:cNvPr id="87" name="TextShape 5"/>
-          <p:cNvSpPr txBox="1"/>
-          <p:nvPr/>
-        </p:nvSpPr>
-        <p:spPr>
-          <a:xfrm>
-            <a:off x="722160" y="3690360"/>
-            <a:ext cx="3792600" cy="715320"/>
-          </a:xfrm>
-          <a:prstGeom prst="rect">
-            <a:avLst/>
-          </a:prstGeom>
-          <a:noFill/>
-          <a:ln>
-            <a:noFill/>
-          </a:ln>
-        </p:spPr>
-        <p:txBody>
-          <a:bodyPr lIns="0" tIns="0" rIns="0" bIns="0"/>
-          <a:lstStyle/>
-          <a:p>
-            <a:endParaRPr lang="en-US" sz="3200" b="0" strike="noStrike" spc="-1">
-              <a:solidFill>
-                <a:srgbClr val="000000"/>
-              </a:solidFill>
-              <a:uFill>
-                <a:solidFill>
-                  <a:srgbClr val="FFFFFF"/>
-                </a:solidFill>
-              </a:uFill>
-              <a:latin typeface="Calibri"/>
-            </a:endParaRPr>
-          </a:p>
-        </p:txBody>
-      </p:sp>
-      <p:sp>
-        <p:nvSpPr>
-          <p:cNvPr id="7" name="TextShape 2"/>
+          <p:cNvPr id="88" name="TextShape 2"/>
           <p:cNvSpPr txBox="1"/>
           <p:nvPr/>
         </p:nvSpPr>
@@ -5026,24 +4935,155 @@
               </a:spcBef>
             </a:pPr>
             <a:r>
-              <a:rPr lang="en-US" sz="2000" b="0" strike="noStrike" spc="-1">
-                <a:solidFill>
-                  <a:srgbClr val="8B8B8B"/>
-                </a:solidFill>
-                <a:latin typeface="Calibri"/>
-              </a:rPr>
-              <a:t>IF688 – Teoria e Implementação de Linguagens Computacionais (Compiladores)</a:t>
-            </a:r>
-            <a:endParaRPr lang="en-US" sz="2000" b="0" strike="noStrike" spc="-1">
-              <a:solidFill>
-                <a:srgbClr val="000000"/>
-              </a:solidFill>
+              <a:rPr lang="en-US" sz="2000" b="0" strike="noStrike" spc="-1" dirty="0">
+                <a:latin typeface="Calibri"/>
+              </a:rPr>
+              <a:t>IF688 – </a:t>
+            </a:r>
+            <a:r>
+              <a:rPr lang="en-US" sz="2000" b="0" strike="noStrike" spc="-1" dirty="0" err="1">
+                <a:latin typeface="Calibri"/>
+              </a:rPr>
+              <a:t>Teoria</a:t>
+            </a:r>
+            <a:r>
+              <a:rPr lang="en-US" sz="2000" b="0" strike="noStrike" spc="-1" dirty="0">
+                <a:latin typeface="Calibri"/>
+              </a:rPr>
+              <a:t> e </a:t>
+            </a:r>
+            <a:r>
+              <a:rPr lang="en-US" sz="2000" b="0" strike="noStrike" spc="-1" dirty="0" err="1">
+                <a:latin typeface="Calibri"/>
+              </a:rPr>
+              <a:t>Implementação</a:t>
+            </a:r>
+            <a:r>
+              <a:rPr lang="en-US" sz="2000" b="0" strike="noStrike" spc="-1" dirty="0">
+                <a:latin typeface="Calibri"/>
+              </a:rPr>
+              <a:t> de </a:t>
+            </a:r>
+            <a:r>
+              <a:rPr lang="en-US" sz="2000" b="0" strike="noStrike" spc="-1" dirty="0" err="1">
+                <a:latin typeface="Calibri"/>
+              </a:rPr>
+              <a:t>Linguagens</a:t>
+            </a:r>
+            <a:r>
+              <a:rPr lang="en-US" sz="2000" b="0" strike="noStrike" spc="-1" dirty="0">
+                <a:latin typeface="Calibri"/>
+              </a:rPr>
+              <a:t> </a:t>
+            </a:r>
+            <a:r>
+              <a:rPr lang="en-US" sz="2000" b="0" strike="noStrike" spc="-1" dirty="0" err="1" smtClean="0">
+                <a:latin typeface="Calibri"/>
+              </a:rPr>
+              <a:t>Computacionais</a:t>
+            </a:r>
+            <a:endParaRPr lang="en-US" sz="2000" b="0" strike="noStrike" spc="-1" dirty="0" smtClean="0">
               <a:latin typeface="Calibri"/>
             </a:endParaRPr>
           </a:p>
         </p:txBody>
       </p:sp>
+      <p:sp>
+        <p:nvSpPr>
+          <p:cNvPr id="89" name="CustomShape 3"/>
+          <p:cNvSpPr/>
+          <p:nvPr/>
+        </p:nvSpPr>
+        <p:spPr>
+          <a:xfrm>
+            <a:off x="1357200" y="5286240"/>
+            <a:ext cx="6400440" cy="785520"/>
+          </a:xfrm>
+          <a:prstGeom prst="rect">
+            <a:avLst/>
+          </a:prstGeom>
+          <a:noFill/>
+          <a:ln>
+            <a:noFill/>
+          </a:ln>
+        </p:spPr>
+        <p:style>
+          <a:lnRef idx="0">
+            <a:scrgbClr r="0" g="0" b="0"/>
+          </a:lnRef>
+          <a:fillRef idx="0">
+            <a:scrgbClr r="0" g="0" b="0"/>
+          </a:fillRef>
+          <a:effectRef idx="0">
+            <a:scrgbClr r="0" g="0" b="0"/>
+          </a:effectRef>
+          <a:fontRef idx="minor"/>
+        </p:style>
+      </p:sp>
+      <p:sp>
+        <p:nvSpPr>
+          <p:cNvPr id="5" name="TextShape 2"/>
+          <p:cNvSpPr txBox="1"/>
+          <p:nvPr/>
+        </p:nvSpPr>
+        <p:spPr>
+          <a:xfrm>
+            <a:off x="760400" y="5013176"/>
+            <a:ext cx="7772040" cy="1499760"/>
+          </a:xfrm>
+          <a:prstGeom prst="rect">
+            <a:avLst/>
+          </a:prstGeom>
+          <a:noFill/>
+          <a:ln>
+            <a:noFill/>
+          </a:ln>
+        </p:spPr>
+        <p:txBody>
+          <a:bodyPr anchor="b"/>
+          <a:lstStyle/>
+          <a:p>
+            <a:pPr>
+              <a:lnSpc>
+                <a:spcPct val="100000"/>
+              </a:lnSpc>
+              <a:spcBef>
+                <a:spcPts val="400"/>
+              </a:spcBef>
+            </a:pPr>
+            <a:r>
+              <a:rPr lang="en-US" sz="2000" spc="-1" dirty="0" smtClean="0">
+                <a:solidFill>
+                  <a:srgbClr val="000000"/>
+                </a:solidFill>
+                <a:latin typeface="Calibri"/>
+              </a:rPr>
+              <a:t>Marcelo </a:t>
+            </a:r>
+            <a:r>
+              <a:rPr lang="en-US" sz="2000" spc="-1" dirty="0" err="1" smtClean="0">
+                <a:solidFill>
+                  <a:srgbClr val="000000"/>
+                </a:solidFill>
+                <a:latin typeface="Calibri"/>
+              </a:rPr>
+              <a:t>d’Amorim</a:t>
+            </a:r>
+            <a:endParaRPr lang="en-US" sz="2000" spc="-1" dirty="0" smtClean="0">
+              <a:solidFill>
+                <a:srgbClr val="8B8B8B"/>
+              </a:solidFill>
+              <a:latin typeface="Calibri"/>
+            </a:endParaRPr>
+          </a:p>
+        </p:txBody>
+      </p:sp>
     </p:spTree>
+    <p:extLst>
+      <p:ext uri="{BB962C8B-B14F-4D97-AF65-F5344CB8AC3E}">
+        <p14:creationId xmlns:p14="http://schemas.microsoft.com/office/powerpoint/2010/main" val="3087253087"/>
+      </p:ext>
+    </p:extLst>
   </p:cSld>
   <p:clrMapOvr>
     <a:masterClrMapping/>
